--- a/Loan Risk Analysis.pptx
+++ b/Loan Risk Analysis.pptx
@@ -3348,25 +3348,6 @@
               <a:t>Loan Risk Analysis</a:t>
             </a:r>
             <a:endParaRPr lang="en-US" dirty="0"/>
-          </a:p>
-        </p:txBody>
-      </p:sp>
-      <p:sp>
-        <p:nvSpPr>
-          <p:cNvPr id="3" name="Subtitle 2"/>
-          <p:cNvSpPr>
-            <a:spLocks noGrp="1"/>
-          </p:cNvSpPr>
-          <p:nvPr>
-            <p:ph type="subTitle" idx="1"/>
-          </p:nvPr>
-        </p:nvSpPr>
-        <p:spPr/>
-        <p:txBody>
-          <a:bodyPr/>
-          <a:lstStyle/>
-          <a:p>
-            <a:endParaRPr lang="en-US"/>
           </a:p>
         </p:txBody>
       </p:sp>
